--- a/4-model-checking/lec22-SMC-examples-v4.pptx
+++ b/4-model-checking/lec22-SMC-examples-v4.pptx
@@ -316,7 +316,7 @@
               <a:pPr>
                 <a:defRPr/>
               </a:pPr>
-              <a:t>2022-11-24</a:t>
+              <a:t>2023-01-02</a:t>
             </a:fld>
             <a:endParaRPr lang="ko-KR" altLang="en-US"/>
           </a:p>
@@ -1349,7 +1349,7 @@
               <a:pPr>
                 <a:defRPr/>
               </a:pPr>
-              <a:t>12:08:06</a:t>
+              <a:t>12:55:17</a:t>
             </a:fld>
             <a:endParaRPr lang="ko-KR" altLang="en-US"/>
           </a:p>
@@ -1544,7 +1544,7 @@
               <a:pPr>
                 <a:defRPr/>
               </a:pPr>
-              <a:t>12:08:06</a:t>
+              <a:t>12:55:16</a:t>
             </a:fld>
             <a:endParaRPr lang="ko-KR" altLang="en-US" dirty="0"/>
           </a:p>
@@ -1817,7 +1817,7 @@
               <a:pPr>
                 <a:defRPr/>
               </a:pPr>
-              <a:t>12:08:06</a:t>
+              <a:t>12:55:16</a:t>
             </a:fld>
             <a:endParaRPr lang="ko-KR" altLang="en-US" dirty="0"/>
           </a:p>
